--- a/lectures/Lesson-1.pptx
+++ b/lectures/Lesson-1.pptx
@@ -20,7 +20,7 @@
     <p:sldId id="271" r:id="rId14"/>
     <p:sldId id="275" r:id="rId15"/>
     <p:sldId id="272" r:id="rId16"/>
-    <p:sldId id="277" r:id="rId17"/>
+    <p:sldId id="276" r:id="rId17"/>
   </p:sldIdLst>
   <p:sldSz cx="9144000" cy="6858000" type="screen4x3"/>
   <p:notesSz cx="6858000" cy="9144000"/>
@@ -373,7 +373,7 @@
           <a:p>
             <a:fld id="{D140825E-4A15-4D39-8176-1F07E904CB30}" type="datetimeFigureOut">
               <a:rPr lang="en-US" smtClean="0"/>
-              <a:t>9/25/2015</a:t>
+              <a:t>10/21/2015</a:t>
             </a:fld>
             <a:endParaRPr lang="en-US"/>
           </a:p>
@@ -464,7 +464,7 @@
           <a:p>
             <a:fld id="{D140825E-4A15-4D39-8176-1F07E904CB30}" type="datetimeFigureOut">
               <a:rPr lang="en-US" smtClean="0"/>
-              <a:t>9/25/2015</a:t>
+              <a:t>10/21/2015</a:t>
             </a:fld>
             <a:endParaRPr lang="en-US"/>
           </a:p>
@@ -767,7 +767,7 @@
           <a:p>
             <a:fld id="{D140825E-4A15-4D39-8176-1F07E904CB30}" type="datetimeFigureOut">
               <a:rPr lang="en-US" smtClean="0"/>
-              <a:t>9/25/2015</a:t>
+              <a:t>10/21/2015</a:t>
             </a:fld>
             <a:endParaRPr lang="en-US"/>
           </a:p>
@@ -988,7 +988,7 @@
           <a:p>
             <a:fld id="{D140825E-4A15-4D39-8176-1F07E904CB30}" type="datetimeFigureOut">
               <a:rPr lang="en-US" smtClean="0"/>
-              <a:t>9/25/2015</a:t>
+              <a:t>10/21/2015</a:t>
             </a:fld>
             <a:endParaRPr lang="en-US"/>
           </a:p>
@@ -1376,7 +1376,7 @@
           <a:p>
             <a:fld id="{D140825E-4A15-4D39-8176-1F07E904CB30}" type="datetimeFigureOut">
               <a:rPr lang="en-US" smtClean="0"/>
-              <a:t>9/25/2015</a:t>
+              <a:t>10/21/2015</a:t>
             </a:fld>
             <a:endParaRPr lang="en-US"/>
           </a:p>
@@ -1684,7 +1684,7 @@
           <a:p>
             <a:fld id="{D140825E-4A15-4D39-8176-1F07E904CB30}" type="datetimeFigureOut">
               <a:rPr lang="en-US" smtClean="0"/>
-              <a:t>9/25/2015</a:t>
+              <a:t>10/21/2015</a:t>
             </a:fld>
             <a:endParaRPr lang="en-US"/>
           </a:p>
@@ -1882,7 +1882,7 @@
           <a:p>
             <a:fld id="{D140825E-4A15-4D39-8176-1F07E904CB30}" type="datetimeFigureOut">
               <a:rPr lang="en-US" smtClean="0"/>
-              <a:t>9/25/2015</a:t>
+              <a:t>10/21/2015</a:t>
             </a:fld>
             <a:endParaRPr lang="en-US"/>
           </a:p>
@@ -2085,7 +2085,7 @@
           <a:p>
             <a:fld id="{D140825E-4A15-4D39-8176-1F07E904CB30}" type="datetimeFigureOut">
               <a:rPr lang="en-US" smtClean="0"/>
-              <a:t>9/25/2015</a:t>
+              <a:t>10/21/2015</a:t>
             </a:fld>
             <a:endParaRPr lang="en-US"/>
           </a:p>
@@ -2278,7 +2278,7 @@
           <a:p>
             <a:fld id="{D140825E-4A15-4D39-8176-1F07E904CB30}" type="datetimeFigureOut">
               <a:rPr lang="en-US" smtClean="0"/>
-              <a:t>9/25/2015</a:t>
+              <a:t>10/21/2015</a:t>
             </a:fld>
             <a:endParaRPr lang="en-US"/>
           </a:p>
@@ -2550,7 +2550,7 @@
           <a:p>
             <a:fld id="{D140825E-4A15-4D39-8176-1F07E904CB30}" type="datetimeFigureOut">
               <a:rPr lang="en-US" smtClean="0"/>
-              <a:t>9/25/2015</a:t>
+              <a:t>10/21/2015</a:t>
             </a:fld>
             <a:endParaRPr lang="en-US"/>
           </a:p>
@@ -2861,7 +2861,7 @@
           <a:p>
             <a:fld id="{D140825E-4A15-4D39-8176-1F07E904CB30}" type="datetimeFigureOut">
               <a:rPr lang="en-US" smtClean="0"/>
-              <a:t>9/25/2015</a:t>
+              <a:t>10/21/2015</a:t>
             </a:fld>
             <a:endParaRPr lang="en-US"/>
           </a:p>
@@ -3327,7 +3327,7 @@
           <a:p>
             <a:fld id="{D140825E-4A15-4D39-8176-1F07E904CB30}" type="datetimeFigureOut">
               <a:rPr lang="en-US" smtClean="0"/>
-              <a:t>9/25/2015</a:t>
+              <a:t>10/21/2015</a:t>
             </a:fld>
             <a:endParaRPr lang="en-US"/>
           </a:p>
@@ -3691,7 +3691,7 @@
           <a:p>
             <a:fld id="{D140825E-4A15-4D39-8176-1F07E904CB30}" type="datetimeFigureOut">
               <a:rPr lang="en-US" smtClean="0"/>
-              <a:t>9/25/2015</a:t>
+              <a:t>10/21/2015</a:t>
             </a:fld>
             <a:endParaRPr lang="en-US"/>
           </a:p>
@@ -4002,7 +4002,7 @@
           <a:p>
             <a:fld id="{D140825E-4A15-4D39-8176-1F07E904CB30}" type="datetimeFigureOut">
               <a:rPr lang="en-US" smtClean="0"/>
-              <a:t>9/25/2015</a:t>
+              <a:t>10/21/2015</a:t>
             </a:fld>
             <a:endParaRPr lang="en-US"/>
           </a:p>
@@ -4313,7 +4313,7 @@
           <a:p>
             <a:fld id="{D140825E-4A15-4D39-8176-1F07E904CB30}" type="datetimeFigureOut">
               <a:rPr lang="en-US" smtClean="0"/>
-              <a:t>9/25/2015</a:t>
+              <a:t>10/21/2015</a:t>
             </a:fld>
             <a:endParaRPr lang="en-US"/>
           </a:p>
@@ -4798,7 +4798,7 @@
           <a:p>
             <a:fld id="{D140825E-4A15-4D39-8176-1F07E904CB30}" type="datetimeFigureOut">
               <a:rPr lang="en-US" smtClean="0"/>
-              <a:t>9/25/2015</a:t>
+              <a:t>10/21/2015</a:t>
             </a:fld>
             <a:endParaRPr lang="en-US"/>
           </a:p>
@@ -5061,7 +5061,7 @@
           <a:p>
             <a:fld id="{D140825E-4A15-4D39-8176-1F07E904CB30}" type="datetimeFigureOut">
               <a:rPr lang="en-US" smtClean="0"/>
-              <a:t>9/25/2015</a:t>
+              <a:t>10/21/2015</a:t>
             </a:fld>
             <a:endParaRPr lang="en-US"/>
           </a:p>
@@ -5613,7 +5613,7 @@
           <a:lstStyle/>
           <a:p>
             <a:r>
-              <a:rPr lang="en-US" dirty="0" err="1">
+              <a:rPr lang="en-US" dirty="0">
                 <a:solidFill>
                   <a:schemeClr val="bg1"/>
                 </a:solidFill>
@@ -5621,7 +5621,7 @@
               <a:t>e</a:t>
             </a:r>
             <a:r>
-              <a:rPr lang="en-US" dirty="0" err="1" smtClean="0">
+              <a:rPr lang="en-US" dirty="0" smtClean="0">
                 <a:solidFill>
                   <a:schemeClr val="bg1"/>
                 </a:solidFill>
@@ -6393,35 +6393,19 @@
               <a:t>Website: </a:t>
             </a:r>
             <a:r>
-              <a:rPr lang="en-US" dirty="0" smtClean="0">
+              <a:rPr lang="en-US" smtClean="0">
                 <a:hlinkClick r:id="rId3"/>
               </a:rPr>
               <a:t>edunomics.club</a:t>
             </a:r>
             <a:endParaRPr lang="en-US" dirty="0" smtClean="0"/>
           </a:p>
-          <a:p>
-            <a:r>
-              <a:rPr lang="en-US" dirty="0" smtClean="0"/>
-              <a:t>Email list: </a:t>
-            </a:r>
-            <a:r>
-              <a:rPr lang="en-US" dirty="0" smtClean="0">
-                <a:hlinkClick r:id="rId4"/>
-              </a:rPr>
-              <a:t>http://bit.ly/1FxWCnS</a:t>
-            </a:r>
-            <a:endParaRPr lang="en-US" dirty="0" smtClean="0"/>
-          </a:p>
-          <a:p>
-            <a:endParaRPr lang="en-US" dirty="0"/>
-          </a:p>
         </p:txBody>
       </p:sp>
     </p:spTree>
     <p:extLst>
       <p:ext uri="{BB962C8B-B14F-4D97-AF65-F5344CB8AC3E}">
-        <p14:creationId xmlns:p14="http://schemas.microsoft.com/office/powerpoint/2010/main" val="18566952"/>
+        <p14:creationId xmlns:p14="http://schemas.microsoft.com/office/powerpoint/2010/main" val="2593601929"/>
       </p:ext>
     </p:extLst>
   </p:cSld>
